--- a/Programming Basics.pptx
+++ b/Programming Basics.pptx
@@ -3240,7 +3240,7 @@
             </a:r>
             <a:r>
               <a:rPr lang="en-US" dirty="0"/>
-              <a:t>) that represent instructions</a:t>
+              <a:t>) that represent computational instructions</a:t>
             </a:r>
           </a:p>
           <a:p>
